--- a/毕设答辩.pptx
+++ b/毕设答辩.pptx
@@ -6,11 +6,15 @@
   </p:sldMasterIdLst>
   <p:sldIdLst>
     <p:sldId id="256" r:id="rId2"/>
-    <p:sldId id="257" r:id="rId3"/>
-    <p:sldId id="258" r:id="rId4"/>
-    <p:sldId id="259" r:id="rId5"/>
-    <p:sldId id="260" r:id="rId6"/>
-    <p:sldId id="261" r:id="rId7"/>
+    <p:sldId id="263" r:id="rId3"/>
+    <p:sldId id="257" r:id="rId4"/>
+    <p:sldId id="262" r:id="rId5"/>
+    <p:sldId id="258" r:id="rId6"/>
+    <p:sldId id="264" r:id="rId7"/>
+    <p:sldId id="265" r:id="rId8"/>
+    <p:sldId id="259" r:id="rId9"/>
+    <p:sldId id="260" r:id="rId10"/>
+    <p:sldId id="261" r:id="rId11"/>
   </p:sldIdLst>
   <p:sldSz cx="12192000" cy="6858000"/>
   <p:notesSz cx="6858000" cy="9144000"/>
@@ -109,6 +113,11 @@
       </a:defRPr>
     </a:lvl9pPr>
   </p:defaultTextStyle>
+  <p:extLst>
+    <p:ext uri="{EFAFB233-063F-42B5-8137-9DF3F51BA10A}">
+      <p15:sldGuideLst xmlns:p15="http://schemas.microsoft.com/office/powerpoint/2012/main"/>
+    </p:ext>
+  </p:extLst>
 </p:presentation>
 </file>
 
@@ -835,7 +844,7 @@
             <a:fld id="{B61BEF0D-F0BB-DE4B-95CE-6DB70DBA9567}" type="datetimeFigureOut">
               <a:rPr lang="en-US" dirty="0"/>
               <a:pPr/>
-              <a:t>5/24/2017</a:t>
+              <a:t>5/27/2017</a:t>
             </a:fld>
             <a:endParaRPr lang="en-US" dirty="0"/>
           </a:p>
@@ -1083,7 +1092,7 @@
             <a:fld id="{B61BEF0D-F0BB-DE4B-95CE-6DB70DBA9567}" type="datetimeFigureOut">
               <a:rPr lang="en-US" dirty="0"/>
               <a:pPr/>
-              <a:t>5/24/2017</a:t>
+              <a:t>5/27/2017</a:t>
             </a:fld>
             <a:endParaRPr lang="en-US" dirty="0"/>
           </a:p>
@@ -1394,7 +1403,7 @@
             <a:fld id="{B61BEF0D-F0BB-DE4B-95CE-6DB70DBA9567}" type="datetimeFigureOut">
               <a:rPr lang="en-US" dirty="0"/>
               <a:pPr/>
-              <a:t>5/24/2017</a:t>
+              <a:t>5/27/2017</a:t>
             </a:fld>
             <a:endParaRPr lang="en-US" dirty="0"/>
           </a:p>
@@ -1732,7 +1741,7 @@
             <a:fld id="{B61BEF0D-F0BB-DE4B-95CE-6DB70DBA9567}" type="datetimeFigureOut">
               <a:rPr lang="en-US" dirty="0"/>
               <a:pPr/>
-              <a:t>5/24/2017</a:t>
+              <a:t>5/27/2017</a:t>
             </a:fld>
             <a:endParaRPr lang="en-US" dirty="0"/>
           </a:p>
@@ -2043,7 +2052,7 @@
             <a:fld id="{B61BEF0D-F0BB-DE4B-95CE-6DB70DBA9567}" type="datetimeFigureOut">
               <a:rPr lang="en-US" dirty="0"/>
               <a:pPr/>
-              <a:t>5/24/2017</a:t>
+              <a:t>5/27/2017</a:t>
             </a:fld>
             <a:endParaRPr lang="en-US" dirty="0"/>
           </a:p>
@@ -2433,7 +2442,7 @@
             <a:fld id="{B61BEF0D-F0BB-DE4B-95CE-6DB70DBA9567}" type="datetimeFigureOut">
               <a:rPr lang="en-US" dirty="0"/>
               <a:pPr/>
-              <a:t>5/24/2017</a:t>
+              <a:t>5/27/2017</a:t>
             </a:fld>
             <a:endParaRPr lang="en-US" dirty="0"/>
           </a:p>
@@ -2599,7 +2608,7 @@
           <a:p>
             <a:fld id="{55C6B4A9-1611-4792-9094-5F34BCA07E0B}" type="datetimeFigureOut">
               <a:rPr lang="en-US" dirty="0"/>
-              <a:t>5/24/2017</a:t>
+              <a:t>5/27/2017</a:t>
             </a:fld>
             <a:endParaRPr lang="en-US" dirty="0"/>
           </a:p>
@@ -2775,7 +2784,7 @@
             <a:fld id="{B61BEF0D-F0BB-DE4B-95CE-6DB70DBA9567}" type="datetimeFigureOut">
               <a:rPr lang="en-US" dirty="0"/>
               <a:pPr/>
-              <a:t>5/24/2017</a:t>
+              <a:t>5/27/2017</a:t>
             </a:fld>
             <a:endParaRPr lang="en-US" dirty="0"/>
           </a:p>
@@ -2948,7 +2957,7 @@
             <a:fld id="{B61BEF0D-F0BB-DE4B-95CE-6DB70DBA9567}" type="datetimeFigureOut">
               <a:rPr lang="en-US" dirty="0"/>
               <a:pPr/>
-              <a:t>5/24/2017</a:t>
+              <a:t>5/27/2017</a:t>
             </a:fld>
             <a:endParaRPr lang="en-US" dirty="0"/>
           </a:p>
@@ -3192,7 +3201,7 @@
             <a:fld id="{B61BEF0D-F0BB-DE4B-95CE-6DB70DBA9567}" type="datetimeFigureOut">
               <a:rPr lang="en-US" dirty="0"/>
               <a:pPr/>
-              <a:t>5/24/2017</a:t>
+              <a:t>5/27/2017</a:t>
             </a:fld>
             <a:endParaRPr lang="en-US" dirty="0"/>
           </a:p>
@@ -3420,7 +3429,7 @@
           <a:p>
             <a:fld id="{EB712588-04B1-427B-82EE-E8DB90309F08}" type="datetimeFigureOut">
               <a:rPr lang="en-US" dirty="0"/>
-              <a:t>5/24/2017</a:t>
+              <a:t>5/27/2017</a:t>
             </a:fld>
             <a:endParaRPr lang="en-US" dirty="0"/>
           </a:p>
@@ -3790,7 +3799,7 @@
             <a:fld id="{B61BEF0D-F0BB-DE4B-95CE-6DB70DBA9567}" type="datetimeFigureOut">
               <a:rPr lang="en-US" dirty="0"/>
               <a:pPr/>
-              <a:t>5/24/2017</a:t>
+              <a:t>5/27/2017</a:t>
             </a:fld>
             <a:endParaRPr lang="en-US" dirty="0"/>
           </a:p>
@@ -3910,7 +3919,7 @@
             <a:fld id="{B61BEF0D-F0BB-DE4B-95CE-6DB70DBA9567}" type="datetimeFigureOut">
               <a:rPr lang="en-US" dirty="0"/>
               <a:pPr/>
-              <a:t>5/24/2017</a:t>
+              <a:t>5/27/2017</a:t>
             </a:fld>
             <a:endParaRPr lang="en-US" dirty="0"/>
           </a:p>
@@ -4002,7 +4011,7 @@
             <a:fld id="{B61BEF0D-F0BB-DE4B-95CE-6DB70DBA9567}" type="datetimeFigureOut">
               <a:rPr lang="en-US" dirty="0"/>
               <a:pPr/>
-              <a:t>5/24/2017</a:t>
+              <a:t>5/27/2017</a:t>
             </a:fld>
             <a:endParaRPr lang="en-US" dirty="0"/>
           </a:p>
@@ -4253,7 +4262,7 @@
           <a:p>
             <a:fld id="{42A54C80-263E-416B-A8E0-580EDEADCBDC}" type="datetimeFigureOut">
               <a:rPr lang="en-US" dirty="0"/>
-              <a:t>5/24/2017</a:t>
+              <a:t>5/27/2017</a:t>
             </a:fld>
             <a:endParaRPr lang="en-US" dirty="0"/>
           </a:p>
@@ -4512,7 +4521,7 @@
             <a:fld id="{B61BEF0D-F0BB-DE4B-95CE-6DB70DBA9567}" type="datetimeFigureOut">
               <a:rPr lang="en-US" dirty="0"/>
               <a:pPr/>
-              <a:t>5/24/2017</a:t>
+              <a:t>5/27/2017</a:t>
             </a:fld>
             <a:endParaRPr lang="en-US" dirty="0"/>
           </a:p>
@@ -5252,7 +5261,7 @@
             <a:fld id="{B61BEF0D-F0BB-DE4B-95CE-6DB70DBA9567}" type="datetimeFigureOut">
               <a:rPr lang="en-US" dirty="0"/>
               <a:pPr/>
-              <a:t>5/24/2017</a:t>
+              <a:t>5/27/2017</a:t>
             </a:fld>
             <a:endParaRPr lang="en-US" dirty="0"/>
           </a:p>
@@ -5840,11 +5849,27 @@
           <a:p>
             <a:r>
               <a:rPr lang="en-US" altLang="zh-CN" dirty="0" smtClean="0"/>
-              <a:t>Author</a:t>
+              <a:t>by</a:t>
             </a:r>
             <a:r>
               <a:rPr lang="zh-CN" altLang="en-US" dirty="0" smtClean="0"/>
-              <a:t>：张涛</a:t>
+              <a:t>：张涛  </a:t>
+            </a:r>
+            <a:r>
+              <a:rPr lang="en-US" altLang="zh-CN" dirty="0" smtClean="0"/>
+              <a:t>13</a:t>
+            </a:r>
+            <a:r>
+              <a:rPr lang="zh-CN" altLang="en-US" dirty="0" smtClean="0"/>
+              <a:t>级软件</a:t>
+            </a:r>
+            <a:r>
+              <a:rPr lang="en-US" altLang="zh-CN" dirty="0" smtClean="0"/>
+              <a:t>2</a:t>
+            </a:r>
+            <a:r>
+              <a:rPr lang="zh-CN" altLang="en-US" dirty="0" smtClean="0"/>
+              <a:t>班</a:t>
             </a:r>
             <a:endParaRPr lang="en-US" altLang="zh-CN" dirty="0" smtClean="0"/>
           </a:p>
@@ -5896,7 +5921,196 @@
 </p:sld>
 </file>
 
+<file path=ppt/slides/slide10.xml><?xml version="1.0" encoding="utf-8"?>
+<p:sld xmlns:a="http://schemas.openxmlformats.org/drawingml/2006/main" xmlns:r="http://schemas.openxmlformats.org/officeDocument/2006/relationships" xmlns:p="http://schemas.openxmlformats.org/presentationml/2006/main">
+  <p:cSld>
+    <p:spTree>
+      <p:nvGrpSpPr>
+        <p:cNvPr id="1" name=""/>
+        <p:cNvGrpSpPr/>
+        <p:nvPr/>
+      </p:nvGrpSpPr>
+      <p:grpSpPr>
+        <a:xfrm>
+          <a:off x="0" y="0"/>
+          <a:ext cx="0" cy="0"/>
+          <a:chOff x="0" y="0"/>
+          <a:chExt cx="0" cy="0"/>
+        </a:xfrm>
+      </p:grpSpPr>
+      <p:sp>
+        <p:nvSpPr>
+          <p:cNvPr id="2" name="标题 1"/>
+          <p:cNvSpPr>
+            <a:spLocks noGrp="1"/>
+          </p:cNvSpPr>
+          <p:nvPr>
+            <p:ph type="ctrTitle"/>
+          </p:nvPr>
+        </p:nvSpPr>
+        <p:spPr/>
+        <p:txBody>
+          <a:bodyPr/>
+          <a:lstStyle/>
+          <a:p>
+            <a:r>
+              <a:rPr lang="zh-CN" altLang="en-US" dirty="0" smtClean="0"/>
+              <a:t>谢谢观看！</a:t>
+            </a:r>
+            <a:endParaRPr lang="zh-CN" altLang="en-US" dirty="0"/>
+          </a:p>
+        </p:txBody>
+      </p:sp>
+      <p:sp>
+        <p:nvSpPr>
+          <p:cNvPr id="3" name="副标题 2"/>
+          <p:cNvSpPr>
+            <a:spLocks noGrp="1"/>
+          </p:cNvSpPr>
+          <p:nvPr>
+            <p:ph type="subTitle" idx="1"/>
+          </p:nvPr>
+        </p:nvSpPr>
+        <p:spPr/>
+        <p:txBody>
+          <a:bodyPr/>
+          <a:lstStyle/>
+          <a:p>
+            <a:endParaRPr lang="zh-CN" altLang="en-US" dirty="0"/>
+          </a:p>
+        </p:txBody>
+      </p:sp>
+    </p:spTree>
+    <p:extLst>
+      <p:ext uri="{BB962C8B-B14F-4D97-AF65-F5344CB8AC3E}">
+        <p14:creationId xmlns:p14="http://schemas.microsoft.com/office/powerpoint/2010/main" val="2417366042"/>
+      </p:ext>
+    </p:extLst>
+  </p:cSld>
+  <p:clrMapOvr>
+    <a:masterClrMapping/>
+  </p:clrMapOvr>
+  <p:timing>
+    <p:tnLst>
+      <p:par>
+        <p:cTn id="1" dur="indefinite" restart="never" nodeType="tmRoot"/>
+      </p:par>
+    </p:tnLst>
+  </p:timing>
+</p:sld>
+</file>
+
 <file path=ppt/slides/slide2.xml><?xml version="1.0" encoding="utf-8"?>
+<p:sld xmlns:a="http://schemas.openxmlformats.org/drawingml/2006/main" xmlns:r="http://schemas.openxmlformats.org/officeDocument/2006/relationships" xmlns:p="http://schemas.openxmlformats.org/presentationml/2006/main">
+  <p:cSld>
+    <p:spTree>
+      <p:nvGrpSpPr>
+        <p:cNvPr id="1" name=""/>
+        <p:cNvGrpSpPr/>
+        <p:nvPr/>
+      </p:nvGrpSpPr>
+      <p:grpSpPr>
+        <a:xfrm>
+          <a:off x="0" y="0"/>
+          <a:ext cx="0" cy="0"/>
+          <a:chOff x="0" y="0"/>
+          <a:chExt cx="0" cy="0"/>
+        </a:xfrm>
+      </p:grpSpPr>
+      <p:sp>
+        <p:nvSpPr>
+          <p:cNvPr id="2" name="标题 1"/>
+          <p:cNvSpPr>
+            <a:spLocks noGrp="1"/>
+          </p:cNvSpPr>
+          <p:nvPr>
+            <p:ph type="title"/>
+          </p:nvPr>
+        </p:nvSpPr>
+        <p:spPr/>
+        <p:txBody>
+          <a:bodyPr/>
+          <a:lstStyle/>
+          <a:p>
+            <a:r>
+              <a:rPr lang="zh-CN" altLang="en-US" dirty="0" smtClean="0"/>
+              <a:t>提纲</a:t>
+            </a:r>
+            <a:endParaRPr lang="zh-CN" altLang="en-US" dirty="0"/>
+          </a:p>
+        </p:txBody>
+      </p:sp>
+      <p:sp>
+        <p:nvSpPr>
+          <p:cNvPr id="3" name="内容占位符 2"/>
+          <p:cNvSpPr>
+            <a:spLocks noGrp="1"/>
+          </p:cNvSpPr>
+          <p:nvPr>
+            <p:ph idx="1"/>
+          </p:nvPr>
+        </p:nvSpPr>
+        <p:spPr/>
+        <p:txBody>
+          <a:bodyPr/>
+          <a:lstStyle/>
+          <a:p>
+            <a:r>
+              <a:rPr lang="zh-CN" altLang="en-US" dirty="0" smtClean="0"/>
+              <a:t>背景</a:t>
+            </a:r>
+            <a:endParaRPr lang="en-US" altLang="zh-CN" dirty="0" smtClean="0"/>
+          </a:p>
+          <a:p>
+            <a:r>
+              <a:rPr lang="zh-CN" altLang="en-US" dirty="0" smtClean="0"/>
+              <a:t>整体架构</a:t>
+            </a:r>
+            <a:endParaRPr lang="en-US" altLang="zh-CN" dirty="0" smtClean="0"/>
+          </a:p>
+          <a:p>
+            <a:r>
+              <a:rPr lang="zh-CN" altLang="en-US" dirty="0" smtClean="0"/>
+              <a:t>系统功能设计</a:t>
+            </a:r>
+            <a:endParaRPr lang="en-US" altLang="zh-CN" dirty="0" smtClean="0"/>
+          </a:p>
+          <a:p>
+            <a:r>
+              <a:rPr lang="zh-CN" altLang="en-US" dirty="0" smtClean="0"/>
+              <a:t>视频演示</a:t>
+            </a:r>
+            <a:endParaRPr lang="en-US" altLang="zh-CN" dirty="0" smtClean="0"/>
+          </a:p>
+          <a:p>
+            <a:r>
+              <a:rPr lang="zh-CN" altLang="en-US" dirty="0" smtClean="0"/>
+              <a:t>总结</a:t>
+            </a:r>
+            <a:endParaRPr lang="en-US" altLang="zh-CN" dirty="0" smtClean="0"/>
+          </a:p>
+          <a:p>
+            <a:r>
+              <a:rPr lang="zh-CN" altLang="en-US" dirty="0"/>
+              <a:t>致谢</a:t>
+            </a:r>
+          </a:p>
+        </p:txBody>
+      </p:sp>
+    </p:spTree>
+    <p:extLst>
+      <p:ext uri="{BB962C8B-B14F-4D97-AF65-F5344CB8AC3E}">
+        <p14:creationId xmlns:p14="http://schemas.microsoft.com/office/powerpoint/2010/main" val="3598677619"/>
+      </p:ext>
+    </p:extLst>
+  </p:cSld>
+  <p:clrMapOvr>
+    <a:masterClrMapping/>
+  </p:clrMapOvr>
+</p:sld>
+</file>
+
+<file path=ppt/slides/slide3.xml><?xml version="1.0" encoding="utf-8"?>
 <p:sld xmlns:a="http://schemas.openxmlformats.org/drawingml/2006/main" xmlns:r="http://schemas.openxmlformats.org/officeDocument/2006/relationships" xmlns:p="http://schemas.openxmlformats.org/presentationml/2006/main">
   <p:cSld>
     <p:spTree>
@@ -6372,7 +6586,7 @@
 </p:sld>
 </file>
 
-<file path=ppt/slides/slide3.xml><?xml version="1.0" encoding="utf-8"?>
+<file path=ppt/slides/slide4.xml><?xml version="1.0" encoding="utf-8"?>
 <p:sld xmlns:a="http://schemas.openxmlformats.org/drawingml/2006/main" xmlns:r="http://schemas.openxmlformats.org/officeDocument/2006/relationships" xmlns:p="http://schemas.openxmlformats.org/presentationml/2006/main">
   <p:cSld>
     <p:spTree>
@@ -6406,7 +6620,7 @@
           <a:p>
             <a:r>
               <a:rPr lang="zh-CN" altLang="en-US" dirty="0" smtClean="0"/>
-              <a:t>解决方案</a:t>
+              <a:t>传统方案</a:t>
             </a:r>
             <a:r>
               <a:rPr lang="en-US" altLang="zh-CN" dirty="0" smtClean="0"/>
@@ -6432,6 +6646,416 @@
           <a:lstStyle/>
           <a:p>
             <a:r>
+              <a:rPr lang="en-US" altLang="zh-CN" dirty="0" smtClean="0"/>
+              <a:t>NFC</a:t>
+            </a:r>
+          </a:p>
+          <a:p>
+            <a:pPr marL="0" indent="0">
+              <a:buNone/>
+            </a:pPr>
+            <a:r>
+              <a:rPr lang="en-US" altLang="zh-CN" dirty="0"/>
+              <a:t>	</a:t>
+            </a:r>
+            <a:r>
+              <a:rPr lang="zh-CN" altLang="en-US" dirty="0" smtClean="0"/>
+              <a:t>弊端：不适合传输文件；支持设备不多</a:t>
+            </a:r>
+            <a:endParaRPr lang="en-US" altLang="zh-CN" dirty="0" smtClean="0"/>
+          </a:p>
+          <a:p>
+            <a:r>
+              <a:rPr lang="zh-CN" altLang="en-US" dirty="0" smtClean="0"/>
+              <a:t>蓝牙</a:t>
+            </a:r>
+            <a:endParaRPr lang="en-US" altLang="zh-CN" dirty="0" smtClean="0"/>
+          </a:p>
+          <a:p>
+            <a:pPr marL="457200" lvl="1" indent="0">
+              <a:buNone/>
+            </a:pPr>
+            <a:r>
+              <a:rPr lang="zh-CN" altLang="en-US" dirty="0" smtClean="0"/>
+              <a:t>优势：兼容性强，几乎支持所有移动设备</a:t>
+            </a:r>
+            <a:endParaRPr lang="en-US" altLang="zh-CN" dirty="0" smtClean="0"/>
+          </a:p>
+          <a:p>
+            <a:pPr marL="457200" lvl="1" indent="0">
+              <a:buNone/>
+            </a:pPr>
+            <a:r>
+              <a:rPr lang="zh-CN" altLang="en-US" dirty="0" smtClean="0"/>
+              <a:t>弊端：传输速度慢，匹配操作繁琐</a:t>
+            </a:r>
+            <a:endParaRPr lang="en-US" altLang="zh-CN" dirty="0" smtClean="0"/>
+          </a:p>
+          <a:p>
+            <a:pPr marL="457200" lvl="1" indent="0">
+              <a:buNone/>
+            </a:pPr>
+            <a:endParaRPr lang="en-US" altLang="zh-CN" dirty="0" smtClean="0"/>
+          </a:p>
+        </p:txBody>
+      </p:sp>
+    </p:spTree>
+    <p:extLst>
+      <p:ext uri="{BB962C8B-B14F-4D97-AF65-F5344CB8AC3E}">
+        <p14:creationId xmlns:p14="http://schemas.microsoft.com/office/powerpoint/2010/main" val="2853059416"/>
+      </p:ext>
+    </p:extLst>
+  </p:cSld>
+  <p:clrMapOvr>
+    <a:masterClrMapping/>
+  </p:clrMapOvr>
+  <p:timing>
+    <p:tnLst>
+      <p:par>
+        <p:cTn id="1" dur="indefinite" restart="never" nodeType="tmRoot">
+          <p:childTnLst>
+            <p:seq concurrent="1" nextAc="seek">
+              <p:cTn id="2" dur="indefinite" nodeType="mainSeq">
+                <p:childTnLst>
+                  <p:par>
+                    <p:cTn id="3" fill="hold">
+                      <p:stCondLst>
+                        <p:cond delay="indefinite"/>
+                      </p:stCondLst>
+                      <p:childTnLst>
+                        <p:par>
+                          <p:cTn id="4" fill="hold">
+                            <p:stCondLst>
+                              <p:cond delay="0"/>
+                            </p:stCondLst>
+                            <p:childTnLst>
+                              <p:par>
+                                <p:cTn id="5" presetID="10" presetClass="entr" presetSubtype="0" fill="hold" grpId="0" nodeType="clickEffect">
+                                  <p:stCondLst>
+                                    <p:cond delay="0"/>
+                                  </p:stCondLst>
+                                  <p:childTnLst>
+                                    <p:set>
+                                      <p:cBhvr>
+                                        <p:cTn id="6" dur="1" fill="hold">
+                                          <p:stCondLst>
+                                            <p:cond delay="0"/>
+                                          </p:stCondLst>
+                                        </p:cTn>
+                                        <p:tgtEl>
+                                          <p:spTgt spid="3">
+                                            <p:txEl>
+                                              <p:pRg st="0" end="0"/>
+                                            </p:txEl>
+                                          </p:spTgt>
+                                        </p:tgtEl>
+                                        <p:attrNameLst>
+                                          <p:attrName>style.visibility</p:attrName>
+                                        </p:attrNameLst>
+                                      </p:cBhvr>
+                                      <p:to>
+                                        <p:strVal val="visible"/>
+                                      </p:to>
+                                    </p:set>
+                                    <p:animEffect transition="in" filter="fade">
+                                      <p:cBhvr>
+                                        <p:cTn id="7" dur="500"/>
+                                        <p:tgtEl>
+                                          <p:spTgt spid="3">
+                                            <p:txEl>
+                                              <p:pRg st="0" end="0"/>
+                                            </p:txEl>
+                                          </p:spTgt>
+                                        </p:tgtEl>
+                                      </p:cBhvr>
+                                    </p:animEffect>
+                                  </p:childTnLst>
+                                </p:cTn>
+                              </p:par>
+                              <p:par>
+                                <p:cTn id="8" presetID="10" presetClass="entr" presetSubtype="0" fill="hold" grpId="0" nodeType="withEffect">
+                                  <p:stCondLst>
+                                    <p:cond delay="0"/>
+                                  </p:stCondLst>
+                                  <p:childTnLst>
+                                    <p:set>
+                                      <p:cBhvr>
+                                        <p:cTn id="9" dur="1" fill="hold">
+                                          <p:stCondLst>
+                                            <p:cond delay="0"/>
+                                          </p:stCondLst>
+                                        </p:cTn>
+                                        <p:tgtEl>
+                                          <p:spTgt spid="3">
+                                            <p:txEl>
+                                              <p:pRg st="1" end="1"/>
+                                            </p:txEl>
+                                          </p:spTgt>
+                                        </p:tgtEl>
+                                        <p:attrNameLst>
+                                          <p:attrName>style.visibility</p:attrName>
+                                        </p:attrNameLst>
+                                      </p:cBhvr>
+                                      <p:to>
+                                        <p:strVal val="visible"/>
+                                      </p:to>
+                                    </p:set>
+                                    <p:animEffect transition="in" filter="fade">
+                                      <p:cBhvr>
+                                        <p:cTn id="10" dur="500"/>
+                                        <p:tgtEl>
+                                          <p:spTgt spid="3">
+                                            <p:txEl>
+                                              <p:pRg st="1" end="1"/>
+                                            </p:txEl>
+                                          </p:spTgt>
+                                        </p:tgtEl>
+                                      </p:cBhvr>
+                                    </p:animEffect>
+                                  </p:childTnLst>
+                                </p:cTn>
+                              </p:par>
+                            </p:childTnLst>
+                          </p:cTn>
+                        </p:par>
+                      </p:childTnLst>
+                    </p:cTn>
+                  </p:par>
+                  <p:par>
+                    <p:cTn id="11" fill="hold">
+                      <p:stCondLst>
+                        <p:cond delay="indefinite"/>
+                      </p:stCondLst>
+                      <p:childTnLst>
+                        <p:par>
+                          <p:cTn id="12" fill="hold">
+                            <p:stCondLst>
+                              <p:cond delay="0"/>
+                            </p:stCondLst>
+                            <p:childTnLst>
+                              <p:par>
+                                <p:cTn id="13" presetID="10" presetClass="entr" presetSubtype="0" fill="hold" grpId="0" nodeType="clickEffect">
+                                  <p:stCondLst>
+                                    <p:cond delay="0"/>
+                                  </p:stCondLst>
+                                  <p:childTnLst>
+                                    <p:set>
+                                      <p:cBhvr>
+                                        <p:cTn id="14" dur="1" fill="hold">
+                                          <p:stCondLst>
+                                            <p:cond delay="0"/>
+                                          </p:stCondLst>
+                                        </p:cTn>
+                                        <p:tgtEl>
+                                          <p:spTgt spid="3">
+                                            <p:txEl>
+                                              <p:pRg st="2" end="2"/>
+                                            </p:txEl>
+                                          </p:spTgt>
+                                        </p:tgtEl>
+                                        <p:attrNameLst>
+                                          <p:attrName>style.visibility</p:attrName>
+                                        </p:attrNameLst>
+                                      </p:cBhvr>
+                                      <p:to>
+                                        <p:strVal val="visible"/>
+                                      </p:to>
+                                    </p:set>
+                                    <p:animEffect transition="in" filter="fade">
+                                      <p:cBhvr>
+                                        <p:cTn id="15" dur="500"/>
+                                        <p:tgtEl>
+                                          <p:spTgt spid="3">
+                                            <p:txEl>
+                                              <p:pRg st="2" end="2"/>
+                                            </p:txEl>
+                                          </p:spTgt>
+                                        </p:tgtEl>
+                                      </p:cBhvr>
+                                    </p:animEffect>
+                                  </p:childTnLst>
+                                </p:cTn>
+                              </p:par>
+                              <p:par>
+                                <p:cTn id="16" presetID="10" presetClass="entr" presetSubtype="0" fill="hold" grpId="0" nodeType="withEffect">
+                                  <p:stCondLst>
+                                    <p:cond delay="0"/>
+                                  </p:stCondLst>
+                                  <p:childTnLst>
+                                    <p:set>
+                                      <p:cBhvr>
+                                        <p:cTn id="17" dur="1" fill="hold">
+                                          <p:stCondLst>
+                                            <p:cond delay="0"/>
+                                          </p:stCondLst>
+                                        </p:cTn>
+                                        <p:tgtEl>
+                                          <p:spTgt spid="3">
+                                            <p:txEl>
+                                              <p:pRg st="3" end="3"/>
+                                            </p:txEl>
+                                          </p:spTgt>
+                                        </p:tgtEl>
+                                        <p:attrNameLst>
+                                          <p:attrName>style.visibility</p:attrName>
+                                        </p:attrNameLst>
+                                      </p:cBhvr>
+                                      <p:to>
+                                        <p:strVal val="visible"/>
+                                      </p:to>
+                                    </p:set>
+                                    <p:animEffect transition="in" filter="fade">
+                                      <p:cBhvr>
+                                        <p:cTn id="18" dur="500"/>
+                                        <p:tgtEl>
+                                          <p:spTgt spid="3">
+                                            <p:txEl>
+                                              <p:pRg st="3" end="3"/>
+                                            </p:txEl>
+                                          </p:spTgt>
+                                        </p:tgtEl>
+                                      </p:cBhvr>
+                                    </p:animEffect>
+                                  </p:childTnLst>
+                                </p:cTn>
+                              </p:par>
+                              <p:par>
+                                <p:cTn id="19" presetID="10" presetClass="entr" presetSubtype="0" fill="hold" grpId="0" nodeType="withEffect">
+                                  <p:stCondLst>
+                                    <p:cond delay="0"/>
+                                  </p:stCondLst>
+                                  <p:childTnLst>
+                                    <p:set>
+                                      <p:cBhvr>
+                                        <p:cTn id="20" dur="1" fill="hold">
+                                          <p:stCondLst>
+                                            <p:cond delay="0"/>
+                                          </p:stCondLst>
+                                        </p:cTn>
+                                        <p:tgtEl>
+                                          <p:spTgt spid="3">
+                                            <p:txEl>
+                                              <p:pRg st="4" end="4"/>
+                                            </p:txEl>
+                                          </p:spTgt>
+                                        </p:tgtEl>
+                                        <p:attrNameLst>
+                                          <p:attrName>style.visibility</p:attrName>
+                                        </p:attrNameLst>
+                                      </p:cBhvr>
+                                      <p:to>
+                                        <p:strVal val="visible"/>
+                                      </p:to>
+                                    </p:set>
+                                    <p:animEffect transition="in" filter="fade">
+                                      <p:cBhvr>
+                                        <p:cTn id="21" dur="500"/>
+                                        <p:tgtEl>
+                                          <p:spTgt spid="3">
+                                            <p:txEl>
+                                              <p:pRg st="4" end="4"/>
+                                            </p:txEl>
+                                          </p:spTgt>
+                                        </p:tgtEl>
+                                      </p:cBhvr>
+                                    </p:animEffect>
+                                  </p:childTnLst>
+                                </p:cTn>
+                              </p:par>
+                            </p:childTnLst>
+                          </p:cTn>
+                        </p:par>
+                      </p:childTnLst>
+                    </p:cTn>
+                  </p:par>
+                </p:childTnLst>
+              </p:cTn>
+              <p:prevCondLst>
+                <p:cond evt="onPrev" delay="0">
+                  <p:tgtEl>
+                    <p:sldTgt/>
+                  </p:tgtEl>
+                </p:cond>
+              </p:prevCondLst>
+              <p:nextCondLst>
+                <p:cond evt="onNext" delay="0">
+                  <p:tgtEl>
+                    <p:sldTgt/>
+                  </p:tgtEl>
+                </p:cond>
+              </p:nextCondLst>
+            </p:seq>
+          </p:childTnLst>
+        </p:cTn>
+      </p:par>
+    </p:tnLst>
+    <p:bldLst>
+      <p:bldP spid="3" grpId="0" uiExpand="1" build="p"/>
+    </p:bldLst>
+  </p:timing>
+</p:sld>
+</file>
+
+<file path=ppt/slides/slide5.xml><?xml version="1.0" encoding="utf-8"?>
+<p:sld xmlns:a="http://schemas.openxmlformats.org/drawingml/2006/main" xmlns:r="http://schemas.openxmlformats.org/officeDocument/2006/relationships" xmlns:p="http://schemas.openxmlformats.org/presentationml/2006/main">
+  <p:cSld>
+    <p:spTree>
+      <p:nvGrpSpPr>
+        <p:cNvPr id="1" name=""/>
+        <p:cNvGrpSpPr/>
+        <p:nvPr/>
+      </p:nvGrpSpPr>
+      <p:grpSpPr>
+        <a:xfrm>
+          <a:off x="0" y="0"/>
+          <a:ext cx="0" cy="0"/>
+          <a:chOff x="0" y="0"/>
+          <a:chExt cx="0" cy="0"/>
+        </a:xfrm>
+      </p:grpSpPr>
+      <p:sp>
+        <p:nvSpPr>
+          <p:cNvPr id="2" name="标题 1"/>
+          <p:cNvSpPr>
+            <a:spLocks noGrp="1"/>
+          </p:cNvSpPr>
+          <p:nvPr>
+            <p:ph type="title"/>
+          </p:nvPr>
+        </p:nvSpPr>
+        <p:spPr/>
+        <p:txBody>
+          <a:bodyPr/>
+          <a:lstStyle/>
+          <a:p>
+            <a:r>
+              <a:rPr lang="zh-CN" altLang="en-US" dirty="0" smtClean="0"/>
+              <a:t>解决方案</a:t>
+            </a:r>
+            <a:r>
+              <a:rPr lang="en-US" altLang="zh-CN" dirty="0" smtClean="0"/>
+              <a:t>	</a:t>
+            </a:r>
+            <a:endParaRPr lang="zh-CN" altLang="en-US" dirty="0"/>
+          </a:p>
+        </p:txBody>
+      </p:sp>
+      <p:sp>
+        <p:nvSpPr>
+          <p:cNvPr id="3" name="内容占位符 2"/>
+          <p:cNvSpPr>
+            <a:spLocks noGrp="1"/>
+          </p:cNvSpPr>
+          <p:nvPr>
+            <p:ph idx="1"/>
+          </p:nvPr>
+        </p:nvSpPr>
+        <p:spPr/>
+        <p:txBody>
+          <a:bodyPr/>
+          <a:lstStyle/>
+          <a:p>
+            <a:r>
               <a:rPr lang="zh-CN" altLang="en-US" dirty="0" smtClean="0"/>
               <a:t>基于</a:t>
             </a:r>
@@ -6445,7 +7069,7 @@
             </a:r>
             <a:r>
               <a:rPr lang="zh-CN" altLang="en-US" dirty="0" smtClean="0"/>
-              <a:t>进行局域网通信，</a:t>
+              <a:t>进行局域网通信，传输速度快</a:t>
             </a:r>
             <a:endParaRPr lang="en-US" altLang="zh-CN" dirty="0" smtClean="0"/>
           </a:p>
@@ -6741,7 +7365,7 @@
 </p:sld>
 </file>
 
-<file path=ppt/slides/slide4.xml><?xml version="1.0" encoding="utf-8"?>
+<file path=ppt/slides/slide6.xml><?xml version="1.0" encoding="utf-8"?>
 <p:sld xmlns:a="http://schemas.openxmlformats.org/drawingml/2006/main" xmlns:r="http://schemas.openxmlformats.org/officeDocument/2006/relationships" xmlns:p="http://schemas.openxmlformats.org/presentationml/2006/main">
   <p:cSld>
     <p:spTree>
@@ -6774,6 +7398,268 @@
           <a:lstStyle/>
           <a:p>
             <a:r>
+              <a:rPr lang="zh-CN" altLang="en-US" dirty="0" smtClean="0"/>
+              <a:t>整体架构</a:t>
+            </a:r>
+            <a:endParaRPr lang="zh-CN" altLang="en-US" dirty="0"/>
+          </a:p>
+        </p:txBody>
+      </p:sp>
+      <p:sp>
+        <p:nvSpPr>
+          <p:cNvPr id="3" name="内容占位符 2"/>
+          <p:cNvSpPr>
+            <a:spLocks noGrp="1"/>
+          </p:cNvSpPr>
+          <p:nvPr>
+            <p:ph idx="1"/>
+          </p:nvPr>
+        </p:nvSpPr>
+        <p:spPr>
+          <a:xfrm>
+            <a:off x="3293313" y="4816325"/>
+            <a:ext cx="8596668" cy="3880773"/>
+          </a:xfrm>
+        </p:spPr>
+        <p:txBody>
+          <a:bodyPr/>
+          <a:lstStyle/>
+          <a:p>
+            <a:endParaRPr lang="zh-CN" altLang="en-US" dirty="0"/>
+          </a:p>
+        </p:txBody>
+      </p:sp>
+      <p:pic>
+        <p:nvPicPr>
+          <p:cNvPr id="1027" name="Picture 3" descr="系统结构图"/>
+          <p:cNvPicPr>
+            <a:picLocks noChangeAspect="1" noChangeArrowheads="1"/>
+          </p:cNvPicPr>
+          <p:nvPr/>
+        </p:nvPicPr>
+        <p:blipFill>
+          <a:blip r:embed="rId2">
+            <a:extLst>
+              <a:ext uri="{28A0092B-C50C-407E-A947-70E740481C1C}">
+                <a14:useLocalDpi xmlns:a14="http://schemas.microsoft.com/office/drawing/2010/main" val="0"/>
+              </a:ext>
+            </a:extLst>
+          </a:blip>
+          <a:srcRect/>
+          <a:stretch>
+            <a:fillRect/>
+          </a:stretch>
+        </p:blipFill>
+        <p:spPr bwMode="auto">
+          <a:xfrm>
+            <a:off x="2006601" y="1516932"/>
+            <a:ext cx="5682310" cy="4836079"/>
+          </a:xfrm>
+          <a:prstGeom prst="rect">
+            <a:avLst/>
+          </a:prstGeom>
+          <a:noFill/>
+          <a:ln>
+            <a:noFill/>
+          </a:ln>
+          <a:extLst>
+            <a:ext uri="{909E8E84-426E-40DD-AFC4-6F175D3DCCD1}">
+              <a14:hiddenFill xmlns:a14="http://schemas.microsoft.com/office/drawing/2010/main">
+                <a:solidFill>
+                  <a:srgbClr val="FFFFFF"/>
+                </a:solidFill>
+              </a14:hiddenFill>
+            </a:ext>
+            <a:ext uri="{91240B29-F687-4F45-9708-019B960494DF}">
+              <a14:hiddenLine xmlns:a14="http://schemas.microsoft.com/office/drawing/2010/main" w="9525">
+                <a:solidFill>
+                  <a:srgbClr val="000000"/>
+                </a:solidFill>
+                <a:miter lim="800000"/>
+                <a:headEnd/>
+                <a:tailEnd/>
+              </a14:hiddenLine>
+            </a:ext>
+          </a:extLst>
+        </p:spPr>
+      </p:pic>
+    </p:spTree>
+    <p:extLst>
+      <p:ext uri="{BB962C8B-B14F-4D97-AF65-F5344CB8AC3E}">
+        <p14:creationId xmlns:p14="http://schemas.microsoft.com/office/powerpoint/2010/main" val="208504171"/>
+      </p:ext>
+    </p:extLst>
+  </p:cSld>
+  <p:clrMapOvr>
+    <a:masterClrMapping/>
+  </p:clrMapOvr>
+</p:sld>
+</file>
+
+<file path=ppt/slides/slide7.xml><?xml version="1.0" encoding="utf-8"?>
+<p:sld xmlns:a="http://schemas.openxmlformats.org/drawingml/2006/main" xmlns:r="http://schemas.openxmlformats.org/officeDocument/2006/relationships" xmlns:p="http://schemas.openxmlformats.org/presentationml/2006/main">
+  <p:cSld>
+    <p:spTree>
+      <p:nvGrpSpPr>
+        <p:cNvPr id="1" name=""/>
+        <p:cNvGrpSpPr/>
+        <p:nvPr/>
+      </p:nvGrpSpPr>
+      <p:grpSpPr>
+        <a:xfrm>
+          <a:off x="0" y="0"/>
+          <a:ext cx="0" cy="0"/>
+          <a:chOff x="0" y="0"/>
+          <a:chExt cx="0" cy="0"/>
+        </a:xfrm>
+      </p:grpSpPr>
+      <p:sp>
+        <p:nvSpPr>
+          <p:cNvPr id="2" name="标题 1"/>
+          <p:cNvSpPr>
+            <a:spLocks noGrp="1"/>
+          </p:cNvSpPr>
+          <p:nvPr>
+            <p:ph type="title"/>
+          </p:nvPr>
+        </p:nvSpPr>
+        <p:spPr/>
+        <p:txBody>
+          <a:bodyPr/>
+          <a:lstStyle/>
+          <a:p>
+            <a:r>
+              <a:rPr lang="zh-CN" altLang="en-US" dirty="0" smtClean="0"/>
+              <a:t>系统功能设计</a:t>
+            </a:r>
+            <a:endParaRPr lang="zh-CN" altLang="en-US" dirty="0"/>
+          </a:p>
+        </p:txBody>
+      </p:sp>
+      <p:sp>
+        <p:nvSpPr>
+          <p:cNvPr id="3" name="内容占位符 2"/>
+          <p:cNvSpPr>
+            <a:spLocks noGrp="1"/>
+          </p:cNvSpPr>
+          <p:nvPr>
+            <p:ph idx="1"/>
+          </p:nvPr>
+        </p:nvSpPr>
+        <p:spPr>
+          <a:xfrm>
+            <a:off x="3325119" y="4506224"/>
+            <a:ext cx="8596668" cy="3880773"/>
+          </a:xfrm>
+        </p:spPr>
+        <p:txBody>
+          <a:bodyPr/>
+          <a:lstStyle/>
+          <a:p>
+            <a:endParaRPr lang="zh-CN" altLang="en-US" dirty="0"/>
+          </a:p>
+        </p:txBody>
+      </p:sp>
+      <p:pic>
+        <p:nvPicPr>
+          <p:cNvPr id="2050" name="Picture 2" descr="系统结构"/>
+          <p:cNvPicPr>
+            <a:picLocks noChangeAspect="1" noChangeArrowheads="1"/>
+          </p:cNvPicPr>
+          <p:nvPr/>
+        </p:nvPicPr>
+        <p:blipFill>
+          <a:blip r:embed="rId2">
+            <a:extLst>
+              <a:ext uri="{28A0092B-C50C-407E-A947-70E740481C1C}">
+                <a14:useLocalDpi xmlns:a14="http://schemas.microsoft.com/office/drawing/2010/main" val="0"/>
+              </a:ext>
+            </a:extLst>
+          </a:blip>
+          <a:srcRect/>
+          <a:stretch>
+            <a:fillRect/>
+          </a:stretch>
+        </p:blipFill>
+        <p:spPr bwMode="auto">
+          <a:xfrm>
+            <a:off x="2650960" y="2348810"/>
+            <a:ext cx="4908550" cy="3013075"/>
+          </a:xfrm>
+          <a:prstGeom prst="rect">
+            <a:avLst/>
+          </a:prstGeom>
+          <a:noFill/>
+          <a:ln>
+            <a:noFill/>
+          </a:ln>
+          <a:extLst>
+            <a:ext uri="{909E8E84-426E-40DD-AFC4-6F175D3DCCD1}">
+              <a14:hiddenFill xmlns:a14="http://schemas.microsoft.com/office/drawing/2010/main">
+                <a:solidFill>
+                  <a:srgbClr val="FFFFFF"/>
+                </a:solidFill>
+              </a14:hiddenFill>
+            </a:ext>
+            <a:ext uri="{91240B29-F687-4F45-9708-019B960494DF}">
+              <a14:hiddenLine xmlns:a14="http://schemas.microsoft.com/office/drawing/2010/main" w="9525">
+                <a:solidFill>
+                  <a:srgbClr val="000000"/>
+                </a:solidFill>
+                <a:miter lim="800000"/>
+                <a:headEnd/>
+                <a:tailEnd/>
+              </a14:hiddenLine>
+            </a:ext>
+          </a:extLst>
+        </p:spPr>
+      </p:pic>
+    </p:spTree>
+    <p:extLst>
+      <p:ext uri="{BB962C8B-B14F-4D97-AF65-F5344CB8AC3E}">
+        <p14:creationId xmlns:p14="http://schemas.microsoft.com/office/powerpoint/2010/main" val="4014310349"/>
+      </p:ext>
+    </p:extLst>
+  </p:cSld>
+  <p:clrMapOvr>
+    <a:masterClrMapping/>
+  </p:clrMapOvr>
+</p:sld>
+</file>
+
+<file path=ppt/slides/slide8.xml><?xml version="1.0" encoding="utf-8"?>
+<p:sld xmlns:a="http://schemas.openxmlformats.org/drawingml/2006/main" xmlns:r="http://schemas.openxmlformats.org/officeDocument/2006/relationships" xmlns:p="http://schemas.openxmlformats.org/presentationml/2006/main">
+  <p:cSld>
+    <p:spTree>
+      <p:nvGrpSpPr>
+        <p:cNvPr id="1" name=""/>
+        <p:cNvGrpSpPr/>
+        <p:nvPr/>
+      </p:nvGrpSpPr>
+      <p:grpSpPr>
+        <a:xfrm>
+          <a:off x="0" y="0"/>
+          <a:ext cx="0" cy="0"/>
+          <a:chOff x="0" y="0"/>
+          <a:chExt cx="0" cy="0"/>
+        </a:xfrm>
+      </p:grpSpPr>
+      <p:sp>
+        <p:nvSpPr>
+          <p:cNvPr id="2" name="标题 1"/>
+          <p:cNvSpPr>
+            <a:spLocks noGrp="1"/>
+          </p:cNvSpPr>
+          <p:nvPr>
+            <p:ph type="title"/>
+          </p:nvPr>
+        </p:nvSpPr>
+        <p:spPr/>
+        <p:txBody>
+          <a:bodyPr/>
+          <a:lstStyle/>
+          <a:p>
+            <a:r>
               <a:rPr lang="en-US" altLang="zh-CN" dirty="0" smtClean="0"/>
               <a:t>UI</a:t>
             </a:r>
@@ -6788,6 +7674,25 @@
             <a:r>
               <a:rPr lang="zh-CN" altLang="en-US" dirty="0" smtClean="0"/>
               <a:t>）</a:t>
+            </a:r>
+            <a:r>
+              <a:rPr lang="en-US" altLang="zh-CN" dirty="0" smtClean="0"/>
+              <a:t/>
+            </a:r>
+            <a:br>
+              <a:rPr lang="en-US" altLang="zh-CN" dirty="0" smtClean="0"/>
+            </a:br>
+            <a:r>
+              <a:rPr lang="en-US" altLang="zh-CN" dirty="0"/>
+              <a:t>	</a:t>
+            </a:r>
+            <a:r>
+              <a:rPr lang="en-US" altLang="zh-CN" dirty="0" smtClean="0"/>
+              <a:t>	</a:t>
+            </a:r>
+            <a:r>
+              <a:rPr lang="zh-CN" altLang="en-US" dirty="0" smtClean="0"/>
+              <a:t>文件传输页面</a:t>
             </a:r>
             <a:endParaRPr lang="zh-CN" altLang="en-US" dirty="0"/>
           </a:p>
@@ -6815,7 +7720,7 @@
         </p:blipFill>
         <p:spPr>
           <a:xfrm>
-            <a:off x="289295" y="155367"/>
+            <a:off x="5674461" y="93398"/>
             <a:ext cx="3599541" cy="6399184"/>
           </a:xfrm>
           <a:prstGeom prst="rect">
@@ -6907,7 +7812,7 @@
         </p:blipFill>
         <p:spPr>
           <a:xfrm>
-            <a:off x="4131619" y="141131"/>
+            <a:off x="1062494" y="141131"/>
             <a:ext cx="3708001" cy="6592002"/>
           </a:xfrm>
         </p:spPr>
@@ -7393,7 +8298,7 @@
 </p:sld>
 </file>
 
-<file path=ppt/slides/slide5.xml><?xml version="1.0" encoding="utf-8"?>
+<file path=ppt/slides/slide9.xml><?xml version="1.0" encoding="utf-8"?>
 <p:sld xmlns:a="http://schemas.openxmlformats.org/drawingml/2006/main" xmlns:r="http://schemas.openxmlformats.org/officeDocument/2006/relationships" xmlns:p="http://schemas.openxmlformats.org/presentationml/2006/main">
   <p:cSld>
     <p:spTree>
@@ -7440,6 +8345,25 @@
             <a:r>
               <a:rPr lang="zh-CN" altLang="en-US" dirty="0" smtClean="0"/>
               <a:t>）</a:t>
+            </a:r>
+            <a:r>
+              <a:rPr lang="en-US" altLang="zh-CN" dirty="0" smtClean="0"/>
+              <a:t/>
+            </a:r>
+            <a:br>
+              <a:rPr lang="en-US" altLang="zh-CN" dirty="0" smtClean="0"/>
+            </a:br>
+            <a:r>
+              <a:rPr lang="en-US" altLang="zh-CN" dirty="0"/>
+              <a:t>	</a:t>
+            </a:r>
+            <a:r>
+              <a:rPr lang="en-US" altLang="zh-CN" dirty="0" smtClean="0"/>
+              <a:t>	</a:t>
+            </a:r>
+            <a:r>
+              <a:rPr lang="zh-CN" altLang="en-US" dirty="0" smtClean="0"/>
+              <a:t>历史文件管理</a:t>
             </a:r>
             <a:endParaRPr lang="zh-CN" altLang="en-US" dirty="0"/>
           </a:p>
@@ -7793,85 +8717,6 @@
 </p:sld>
 </file>
 
-<file path=ppt/slides/slide6.xml><?xml version="1.0" encoding="utf-8"?>
-<p:sld xmlns:a="http://schemas.openxmlformats.org/drawingml/2006/main" xmlns:r="http://schemas.openxmlformats.org/officeDocument/2006/relationships" xmlns:p="http://schemas.openxmlformats.org/presentationml/2006/main">
-  <p:cSld>
-    <p:spTree>
-      <p:nvGrpSpPr>
-        <p:cNvPr id="1" name=""/>
-        <p:cNvGrpSpPr/>
-        <p:nvPr/>
-      </p:nvGrpSpPr>
-      <p:grpSpPr>
-        <a:xfrm>
-          <a:off x="0" y="0"/>
-          <a:ext cx="0" cy="0"/>
-          <a:chOff x="0" y="0"/>
-          <a:chExt cx="0" cy="0"/>
-        </a:xfrm>
-      </p:grpSpPr>
-      <p:sp>
-        <p:nvSpPr>
-          <p:cNvPr id="2" name="标题 1"/>
-          <p:cNvSpPr>
-            <a:spLocks noGrp="1"/>
-          </p:cNvSpPr>
-          <p:nvPr>
-            <p:ph type="ctrTitle"/>
-          </p:nvPr>
-        </p:nvSpPr>
-        <p:spPr/>
-        <p:txBody>
-          <a:bodyPr/>
-          <a:lstStyle/>
-          <a:p>
-            <a:r>
-              <a:rPr lang="zh-CN" altLang="en-US" dirty="0" smtClean="0"/>
-              <a:t>谢谢观看！</a:t>
-            </a:r>
-            <a:endParaRPr lang="zh-CN" altLang="en-US" dirty="0"/>
-          </a:p>
-        </p:txBody>
-      </p:sp>
-      <p:sp>
-        <p:nvSpPr>
-          <p:cNvPr id="3" name="副标题 2"/>
-          <p:cNvSpPr>
-            <a:spLocks noGrp="1"/>
-          </p:cNvSpPr>
-          <p:nvPr>
-            <p:ph type="subTitle" idx="1"/>
-          </p:nvPr>
-        </p:nvSpPr>
-        <p:spPr/>
-        <p:txBody>
-          <a:bodyPr/>
-          <a:lstStyle/>
-          <a:p>
-            <a:endParaRPr lang="zh-CN" altLang="en-US" dirty="0"/>
-          </a:p>
-        </p:txBody>
-      </p:sp>
-    </p:spTree>
-    <p:extLst>
-      <p:ext uri="{BB962C8B-B14F-4D97-AF65-F5344CB8AC3E}">
-        <p14:creationId xmlns:p14="http://schemas.microsoft.com/office/powerpoint/2010/main" val="2417366042"/>
-      </p:ext>
-    </p:extLst>
-  </p:cSld>
-  <p:clrMapOvr>
-    <a:masterClrMapping/>
-  </p:clrMapOvr>
-  <p:timing>
-    <p:tnLst>
-      <p:par>
-        <p:cTn id="1" dur="indefinite" restart="never" nodeType="tmRoot"/>
-      </p:par>
-    </p:tnLst>
-  </p:timing>
-</p:sld>
-</file>
-
 <file path=ppt/theme/theme1.xml><?xml version="1.0" encoding="utf-8"?>
 <a:theme xmlns:a="http://schemas.openxmlformats.org/drawingml/2006/main" name="平面">
   <a:themeElements>
